--- a/Presentation.pptx
+++ b/Presentation.pptx
@@ -274,7 +274,7 @@
           <a:p>
             <a:fld id="{BF9ACD4A-D5FC-4DB2-BC03-68CE38A029F1}" type="datetimeFigureOut">
               <a:rPr lang="en-US" smtClean="0"/>
-              <a:t>12/21/2023</a:t>
+              <a:t>1/4/2024</a:t>
             </a:fld>
             <a:endParaRPr lang="en-US"/>
           </a:p>
@@ -472,7 +472,7 @@
           <a:p>
             <a:fld id="{BF9ACD4A-D5FC-4DB2-BC03-68CE38A029F1}" type="datetimeFigureOut">
               <a:rPr lang="en-US" smtClean="0"/>
-              <a:t>12/21/2023</a:t>
+              <a:t>1/4/2024</a:t>
             </a:fld>
             <a:endParaRPr lang="en-US"/>
           </a:p>
@@ -680,7 +680,7 @@
           <a:p>
             <a:fld id="{BF9ACD4A-D5FC-4DB2-BC03-68CE38A029F1}" type="datetimeFigureOut">
               <a:rPr lang="en-US" smtClean="0"/>
-              <a:t>12/21/2023</a:t>
+              <a:t>1/4/2024</a:t>
             </a:fld>
             <a:endParaRPr lang="en-US"/>
           </a:p>
@@ -878,7 +878,7 @@
           <a:p>
             <a:fld id="{BF9ACD4A-D5FC-4DB2-BC03-68CE38A029F1}" type="datetimeFigureOut">
               <a:rPr lang="en-US" smtClean="0"/>
-              <a:t>12/21/2023</a:t>
+              <a:t>1/4/2024</a:t>
             </a:fld>
             <a:endParaRPr lang="en-US"/>
           </a:p>
@@ -1153,7 +1153,7 @@
           <a:p>
             <a:fld id="{BF9ACD4A-D5FC-4DB2-BC03-68CE38A029F1}" type="datetimeFigureOut">
               <a:rPr lang="en-US" smtClean="0"/>
-              <a:t>12/21/2023</a:t>
+              <a:t>1/4/2024</a:t>
             </a:fld>
             <a:endParaRPr lang="en-US"/>
           </a:p>
@@ -1418,7 +1418,7 @@
           <a:p>
             <a:fld id="{BF9ACD4A-D5FC-4DB2-BC03-68CE38A029F1}" type="datetimeFigureOut">
               <a:rPr lang="en-US" smtClean="0"/>
-              <a:t>12/21/2023</a:t>
+              <a:t>1/4/2024</a:t>
             </a:fld>
             <a:endParaRPr lang="en-US"/>
           </a:p>
@@ -1830,7 +1830,7 @@
           <a:p>
             <a:fld id="{BF9ACD4A-D5FC-4DB2-BC03-68CE38A029F1}" type="datetimeFigureOut">
               <a:rPr lang="en-US" smtClean="0"/>
-              <a:t>12/21/2023</a:t>
+              <a:t>1/4/2024</a:t>
             </a:fld>
             <a:endParaRPr lang="en-US"/>
           </a:p>
@@ -1971,7 +1971,7 @@
           <a:p>
             <a:fld id="{BF9ACD4A-D5FC-4DB2-BC03-68CE38A029F1}" type="datetimeFigureOut">
               <a:rPr lang="en-US" smtClean="0"/>
-              <a:t>12/21/2023</a:t>
+              <a:t>1/4/2024</a:t>
             </a:fld>
             <a:endParaRPr lang="en-US"/>
           </a:p>
@@ -2084,7 +2084,7 @@
           <a:p>
             <a:fld id="{BF9ACD4A-D5FC-4DB2-BC03-68CE38A029F1}" type="datetimeFigureOut">
               <a:rPr lang="en-US" smtClean="0"/>
-              <a:t>12/21/2023</a:t>
+              <a:t>1/4/2024</a:t>
             </a:fld>
             <a:endParaRPr lang="en-US"/>
           </a:p>
@@ -2395,7 +2395,7 @@
           <a:p>
             <a:fld id="{BF9ACD4A-D5FC-4DB2-BC03-68CE38A029F1}" type="datetimeFigureOut">
               <a:rPr lang="en-US" smtClean="0"/>
-              <a:t>12/21/2023</a:t>
+              <a:t>1/4/2024</a:t>
             </a:fld>
             <a:endParaRPr lang="en-US"/>
           </a:p>
@@ -2683,7 +2683,7 @@
           <a:p>
             <a:fld id="{BF9ACD4A-D5FC-4DB2-BC03-68CE38A029F1}" type="datetimeFigureOut">
               <a:rPr lang="en-US" smtClean="0"/>
-              <a:t>12/21/2023</a:t>
+              <a:t>1/4/2024</a:t>
             </a:fld>
             <a:endParaRPr lang="en-US"/>
           </a:p>
@@ -2924,7 +2924,7 @@
           <a:p>
             <a:fld id="{BF9ACD4A-D5FC-4DB2-BC03-68CE38A029F1}" type="datetimeFigureOut">
               <a:rPr lang="en-US" smtClean="0"/>
-              <a:t>12/21/2023</a:t>
+              <a:t>1/4/2024</a:t>
             </a:fld>
             <a:endParaRPr lang="en-US"/>
           </a:p>
@@ -3357,7 +3357,7 @@
                 <a16:creationId xmlns:a16="http://schemas.microsoft.com/office/drawing/2014/main" id="{BACC6370-2D7E-4714-9D71-7542949D7D5D}"/>
               </a:ext>
               <a:ext uri="{C183D7F6-B498-43B3-948B-1728B52AA6E4}">
-                <adec:decorative xmlns:adec="http://schemas.microsoft.com/office/drawing/2017/decorative" val="1"/>
+                <adec:decorative xmlns:adec="http://schemas.microsoft.com/office/drawing/2017/decorative" xmlns="" val="1"/>
               </a:ext>
             </a:extLst>
           </p:cNvPr>
@@ -3433,7 +3433,7 @@
                 <a16:creationId xmlns:a16="http://schemas.microsoft.com/office/drawing/2014/main" id="{F68B3F68-107C-434F-AA38-110D5EA91B85}"/>
               </a:ext>
               <a:ext uri="{C183D7F6-B498-43B3-948B-1728B52AA6E4}">
-                <adec:decorative xmlns:adec="http://schemas.microsoft.com/office/drawing/2017/decorative" val="1"/>
+                <adec:decorative xmlns:adec="http://schemas.microsoft.com/office/drawing/2017/decorative" xmlns="" val="1"/>
               </a:ext>
             </a:extLst>
           </p:cNvPr>
@@ -3508,7 +3508,7 @@
                 <a16:creationId xmlns:a16="http://schemas.microsoft.com/office/drawing/2014/main" id="{AAD0DBB9-1A4B-4391-81D4-CB19F9AB918A}"/>
               </a:ext>
               <a:ext uri="{C183D7F6-B498-43B3-948B-1728B52AA6E4}">
-                <adec:decorative xmlns:adec="http://schemas.microsoft.com/office/drawing/2017/decorative" val="1"/>
+                <adec:decorative xmlns:adec="http://schemas.microsoft.com/office/drawing/2017/decorative" xmlns="" val="1"/>
               </a:ext>
             </a:extLst>
           </p:cNvPr>
@@ -3584,7 +3584,7 @@
                 <a16:creationId xmlns:a16="http://schemas.microsoft.com/office/drawing/2014/main" id="{063BBA22-50EA-4C4D-BE05-F1CE4E63AA56}"/>
               </a:ext>
               <a:ext uri="{C183D7F6-B498-43B3-948B-1728B52AA6E4}">
-                <adec:decorative xmlns:adec="http://schemas.microsoft.com/office/drawing/2017/decorative" val="1"/>
+                <adec:decorative xmlns:adec="http://schemas.microsoft.com/office/drawing/2017/decorative" xmlns="" val="1"/>
               </a:ext>
             </a:extLst>
           </p:cNvPr>
@@ -3768,6 +3768,17 @@
               </a:rPr>
               <a:t>PWM Signal Drawer</a:t>
             </a:r>
+            <a:r>
+              <a:rPr lang="en-US" sz="1584" kern="1200" dirty="0">
+                <a:solidFill>
+                  <a:schemeClr val="tx1"/>
+                </a:solidFill>
+                <a:latin typeface="+mn-lt"/>
+                <a:ea typeface="+mn-ea"/>
+                <a:cs typeface="+mn-cs"/>
+              </a:rPr>
+              <a:t/>
+            </a:r>
             <a:br>
               <a:rPr lang="en-US" sz="1584" kern="1200" dirty="0">
                 <a:solidFill>
@@ -3884,7 +3895,7 @@
                 <a14:useLocalDpi xmlns:a14="http://schemas.microsoft.com/office/drawing/2010/main" val="0"/>
               </a:ext>
               <a:ext uri="{837473B0-CC2E-450A-ABE3-18F120FF3D39}">
-                <a1611:picAttrSrcUrl xmlns:a1611="http://schemas.microsoft.com/office/drawing/2016/11/main" r:id="rId3"/>
+                <a1611:picAttrSrcUrl xmlns:a1611="http://schemas.microsoft.com/office/drawing/2016/11/main" xmlns="" r:id="rId3"/>
               </a:ext>
             </a:extLst>
           </a:blip>
@@ -3923,7 +3934,7 @@
                 <a14:useLocalDpi xmlns:a14="http://schemas.microsoft.com/office/drawing/2010/main" val="0"/>
               </a:ext>
               <a:ext uri="{837473B0-CC2E-450A-ABE3-18F120FF3D39}">
-                <a1611:picAttrSrcUrl xmlns:a1611="http://schemas.microsoft.com/office/drawing/2016/11/main" r:id="rId5"/>
+                <a1611:picAttrSrcUrl xmlns:a1611="http://schemas.microsoft.com/office/drawing/2016/11/main" xmlns="" r:id="rId5"/>
               </a:ext>
             </a:extLst>
           </a:blip>
@@ -4237,18 +4248,13 @@
           <a:p>
             <a:pPr algn="ctr"/>
             <a:r>
-              <a:rPr lang="en-US">
+              <a:rPr lang="en-US" dirty="0">
                 <a:solidFill>
                   <a:schemeClr val="tx1"/>
                 </a:solidFill>
               </a:rPr>
-              <a:t>APPLICATION Layer</a:t>
-            </a:r>
-            <a:endParaRPr lang="en-US" dirty="0">
-              <a:solidFill>
-                <a:schemeClr val="tx1"/>
-              </a:solidFill>
-            </a:endParaRPr>
+              <a:t>Microcontroller Abstraction Layer</a:t>
+            </a:r>
           </a:p>
         </p:txBody>
       </p:sp>
@@ -8025,7 +8031,7 @@
                 <a16:creationId xmlns:a16="http://schemas.microsoft.com/office/drawing/2014/main" id="{A4AC5506-6312-4701-8D3C-40187889A947}"/>
               </a:ext>
               <a:ext uri="{C183D7F6-B498-43B3-948B-1728B52AA6E4}">
-                <adec:decorative xmlns:adec="http://schemas.microsoft.com/office/drawing/2017/decorative" val="1"/>
+                <adec:decorative xmlns:adec="http://schemas.microsoft.com/office/drawing/2017/decorative" xmlns="" val="1"/>
               </a:ext>
             </a:extLst>
           </p:cNvPr>
@@ -8202,7 +8208,7 @@
                 <a16:creationId xmlns:a16="http://schemas.microsoft.com/office/drawing/2014/main" id="{66B332A4-D438-4773-A77F-5ED49A448D9D}"/>
               </a:ext>
               <a:ext uri="{C183D7F6-B498-43B3-948B-1728B52AA6E4}">
-                <adec:decorative xmlns:adec="http://schemas.microsoft.com/office/drawing/2017/decorative" val="1"/>
+                <adec:decorative xmlns:adec="http://schemas.microsoft.com/office/drawing/2017/decorative" xmlns="" val="1"/>
               </a:ext>
             </a:extLst>
           </p:cNvPr>
@@ -8368,7 +8374,7 @@
                 <a16:creationId xmlns:a16="http://schemas.microsoft.com/office/drawing/2014/main" id="{DF9AD32D-FF05-44F4-BD4D-9CEE89B71EB9}"/>
               </a:ext>
               <a:ext uri="{C183D7F6-B498-43B3-948B-1728B52AA6E4}">
-                <adec:decorative xmlns:adec="http://schemas.microsoft.com/office/drawing/2017/decorative" val="1"/>
+                <adec:decorative xmlns:adec="http://schemas.microsoft.com/office/drawing/2017/decorative" xmlns="" val="1"/>
               </a:ext>
             </a:extLst>
           </p:cNvPr>
@@ -8896,23 +8902,6 @@
 </file>
 
 <file path=customXml/item1.xml><?xml version="1.0" encoding="utf-8"?>
-<p:properties xmlns:p="http://schemas.microsoft.com/office/2006/metadata/properties" xmlns:xsi="http://www.w3.org/2001/XMLSchema-instance" xmlns:pc="http://schemas.microsoft.com/office/infopath/2007/PartnerControls">
-  <documentManagement>
-    <_activity xmlns="71acade6-0690-4a2d-a396-0a0365f72b32" xsi:nil="true"/>
-  </documentManagement>
-</p:properties>
-</file>
-
-<file path=customXml/item2.xml><?xml version="1.0" encoding="utf-8"?>
-<?mso-contentType ?>
-<FormTemplates xmlns="http://schemas.microsoft.com/sharepoint/v3/contenttype/forms">
-  <Display>DocumentLibraryForm</Display>
-  <Edit>DocumentLibraryForm</Edit>
-  <New>DocumentLibraryForm</New>
-</FormTemplates>
-</file>
-
-<file path=customXml/item3.xml><?xml version="1.0" encoding="utf-8"?>
 <ct:contentTypeSchema xmlns:ct="http://schemas.microsoft.com/office/2006/metadata/contentType" xmlns:ma="http://schemas.microsoft.com/office/2006/metadata/properties/metaAttributes" ct:_="" ma:_="" ma:contentTypeName="Document" ma:contentTypeID="0x010100DBCEA5F29D3C614FB45105D6AB7D6A8C" ma:contentTypeVersion="4" ma:contentTypeDescription="Create a new document." ma:contentTypeScope="" ma:versionID="861cf887ac10df8dc5801559806a348d">
   <xsd:schema xmlns:xsd="http://www.w3.org/2001/XMLSchema" xmlns:xs="http://www.w3.org/2001/XMLSchema" xmlns:p="http://schemas.microsoft.com/office/2006/metadata/properties" xmlns:ns3="71acade6-0690-4a2d-a396-0a0365f72b32" targetNamespace="http://schemas.microsoft.com/office/2006/metadata/properties" ma:root="true" ma:fieldsID="7ef2f50d172b5ecdd22da6cb2e884698" ns3:_="">
     <xsd:import namespace="71acade6-0690-4a2d-a396-0a0365f72b32"/>
@@ -9056,31 +9045,24 @@
 </ct:contentTypeSchema>
 </file>
 
-<file path=customXml/itemProps1.xml><?xml version="1.0" encoding="utf-8"?>
-<ds:datastoreItem xmlns:ds="http://schemas.openxmlformats.org/officeDocument/2006/customXml" ds:itemID="{0E16B8CC-88CF-4F61-ACAB-3ED91986DDFC}">
-  <ds:schemaRefs>
-    <ds:schemaRef ds:uri="http://purl.org/dc/terms/"/>
-    <ds:schemaRef ds:uri="http://schemas.microsoft.com/office/2006/documentManagement/types"/>
-    <ds:schemaRef ds:uri="http://purl.org/dc/dcmitype/"/>
-    <ds:schemaRef ds:uri="http://schemas.openxmlformats.org/package/2006/metadata/core-properties"/>
-    <ds:schemaRef ds:uri="71acade6-0690-4a2d-a396-0a0365f72b32"/>
-    <ds:schemaRef ds:uri="http://schemas.microsoft.com/office/2006/metadata/properties"/>
-    <ds:schemaRef ds:uri="http://schemas.microsoft.com/office/infopath/2007/PartnerControls"/>
-    <ds:schemaRef ds:uri="http://www.w3.org/XML/1998/namespace"/>
-    <ds:schemaRef ds:uri="http://purl.org/dc/elements/1.1/"/>
-  </ds:schemaRefs>
-</ds:datastoreItem>
+<file path=customXml/item2.xml><?xml version="1.0" encoding="utf-8"?>
+<?mso-contentType ?>
+<FormTemplates xmlns="http://schemas.microsoft.com/sharepoint/v3/contenttype/forms">
+  <Display>DocumentLibraryForm</Display>
+  <Edit>DocumentLibraryForm</Edit>
+  <New>DocumentLibraryForm</New>
+</FormTemplates>
 </file>
 
-<file path=customXml/itemProps2.xml><?xml version="1.0" encoding="utf-8"?>
-<ds:datastoreItem xmlns:ds="http://schemas.openxmlformats.org/officeDocument/2006/customXml" ds:itemID="{6F1A8C3F-A0BE-4C79-991D-EC919B7FD1EF}">
-  <ds:schemaRefs>
-    <ds:schemaRef ds:uri="http://schemas.microsoft.com/sharepoint/v3/contenttype/forms"/>
-  </ds:schemaRefs>
-</ds:datastoreItem>
+<file path=customXml/item3.xml><?xml version="1.0" encoding="utf-8"?>
+<p:properties xmlns:p="http://schemas.microsoft.com/office/2006/metadata/properties" xmlns:xsi="http://www.w3.org/2001/XMLSchema-instance" xmlns:pc="http://schemas.microsoft.com/office/infopath/2007/PartnerControls">
+  <documentManagement>
+    <_activity xmlns="71acade6-0690-4a2d-a396-0a0365f72b32" xsi:nil="true"/>
+  </documentManagement>
+</p:properties>
 </file>
 
-<file path=customXml/itemProps3.xml><?xml version="1.0" encoding="utf-8"?>
+<file path=customXml/itemProps1.xml><?xml version="1.0" encoding="utf-8"?>
 <ds:datastoreItem xmlns:ds="http://schemas.openxmlformats.org/officeDocument/2006/customXml" ds:itemID="{06CB5812-C56E-47C5-964A-A906B031A500}">
   <ds:schemaRefs>
     <ds:schemaRef ds:uri="http://schemas.microsoft.com/office/2006/metadata/contentType"/>
@@ -9096,4 +9078,28 @@
     <ds:schemaRef ds:uri="http://schemas.microsoft.com/internal/obd"/>
   </ds:schemaRefs>
 </ds:datastoreItem>
+</file>
+
+<file path=customXml/itemProps2.xml><?xml version="1.0" encoding="utf-8"?>
+<ds:datastoreItem xmlns:ds="http://schemas.openxmlformats.org/officeDocument/2006/customXml" ds:itemID="{6F1A8C3F-A0BE-4C79-991D-EC919B7FD1EF}">
+  <ds:schemaRefs>
+    <ds:schemaRef ds:uri="http://schemas.microsoft.com/sharepoint/v3/contenttype/forms"/>
+  </ds:schemaRefs>
+</ds:datastoreItem>
+</file>
+
+<file path=customXml/itemProps3.xml><?xml version="1.0" encoding="utf-8"?>
+<ds:datastoreItem xmlns:ds="http://schemas.openxmlformats.org/officeDocument/2006/customXml" ds:itemID="{0E16B8CC-88CF-4F61-ACAB-3ED91986DDFC}">
+  <ds:schemaRefs>
+    <ds:schemaRef ds:uri="http://purl.org/dc/terms/"/>
+    <ds:schemaRef ds:uri="http://schemas.microsoft.com/office/2006/documentManagement/types"/>
+    <ds:schemaRef ds:uri="http://purl.org/dc/dcmitype/"/>
+    <ds:schemaRef ds:uri="http://schemas.openxmlformats.org/package/2006/metadata/core-properties"/>
+    <ds:schemaRef ds:uri="71acade6-0690-4a2d-a396-0a0365f72b32"/>
+    <ds:schemaRef ds:uri="http://schemas.microsoft.com/office/2006/metadata/properties"/>
+    <ds:schemaRef ds:uri="http://schemas.microsoft.com/office/infopath/2007/PartnerControls"/>
+    <ds:schemaRef ds:uri="http://www.w3.org/XML/1998/namespace"/>
+    <ds:schemaRef ds:uri="http://purl.org/dc/elements/1.1/"/>
+  </ds:schemaRefs>
+</ds:datastoreItem>
 </file>